--- a/Mesh generation and coding in FEniCS.pptx
+++ b/Mesh generation and coding in FEniCS.pptx
@@ -3787,7 +3787,17 @@
             </a:r>
             <a:r>
               <a:rPr lang="en-US" altLang="zh-CN" dirty="0"/>
-              <a:t> file to .xml file with the format loadable by FEniCS by Gmsh2xml.py</a:t>
+              <a:t> file to .xml file with the format loadable by FEniCS by Gmsh2xml.py (posted on </a:t>
+            </a:r>
+            <a:r>
+              <a:rPr lang="en-US" altLang="zh-CN" dirty="0">
+                <a:hlinkClick r:id="rId2"/>
+              </a:rPr>
+              <a:t>GitHub</a:t>
+            </a:r>
+            <a:r>
+              <a:rPr lang="en-US" altLang="zh-CN" dirty="0"/>
+              <a:t>)</a:t>
             </a:r>
           </a:p>
           <a:p>
@@ -3866,18 +3876,19 @@
             <p:ph type="title"/>
           </p:nvPr>
         </p:nvSpPr>
-        <p:spPr/>
+        <p:spPr>
+          <a:xfrm>
+            <a:off x="838200" y="365125"/>
+            <a:ext cx="10515600" cy="1044575"/>
+          </a:xfrm>
+        </p:spPr>
         <p:txBody>
           <a:bodyPr/>
           <a:lstStyle/>
           <a:p>
             <a:r>
               <a:rPr lang="en-US" altLang="zh-CN" dirty="0"/>
-              <a:t>All material on </a:t>
-            </a:r>
-            <a:r>
-              <a:rPr lang="en-US" altLang="zh-CN" dirty="0" err="1"/>
-              <a:t>Github</a:t>
+              <a:t>Materials</a:t>
             </a:r>
             <a:endParaRPr lang="zh-CN" altLang="en-US" dirty="0"/>
           </a:p>
@@ -3899,11 +3910,28 @@
             <p:ph idx="1"/>
           </p:nvPr>
         </p:nvSpPr>
-        <p:spPr/>
-        <p:txBody>
-          <a:bodyPr/>
-          <a:lstStyle/>
-          <a:p>
+        <p:spPr>
+          <a:xfrm>
+            <a:off x="838200" y="1507067"/>
+            <a:ext cx="10515600" cy="5190066"/>
+          </a:xfrm>
+        </p:spPr>
+        <p:txBody>
+          <a:bodyPr>
+            <a:normAutofit/>
+          </a:bodyPr>
+          <a:lstStyle/>
+          <a:p>
+            <a:r>
+              <a:rPr lang="en-US" altLang="zh-CN" dirty="0"/>
+              <a:t>Codes are on GitHub</a:t>
+            </a:r>
+            <a:endParaRPr lang="en-US" altLang="zh-CN" dirty="0">
+              <a:hlinkClick r:id="rId2"/>
+            </a:endParaRPr>
+          </a:p>
+          <a:p>
+            <a:pPr lvl="1"/>
             <a:r>
               <a:rPr lang="en-US" altLang="zh-CN" dirty="0">
                 <a:hlinkClick r:id="rId2"/>
@@ -3911,6 +3939,57 @@
               <a:t>https://github.com/YuxiangGao0321/FEniCS_tutorial_2023</a:t>
             </a:r>
             <a:endParaRPr lang="en-US" altLang="zh-CN" dirty="0"/>
+          </a:p>
+          <a:p>
+            <a:r>
+              <a:rPr lang="en-US" altLang="zh-CN" dirty="0"/>
+              <a:t>Books for FEniCS</a:t>
+            </a:r>
+          </a:p>
+          <a:p>
+            <a:pPr lvl="1"/>
+            <a:r>
+              <a:rPr lang="en-US" altLang="zh-CN" dirty="0"/>
+              <a:t>Bleyer, J. (n.d.). Numerical tours of continuum mechanics using FEniCS. 125.</a:t>
+            </a:r>
+          </a:p>
+          <a:p>
+            <a:pPr lvl="1"/>
+            <a:r>
+              <a:rPr lang="en-US" altLang="zh-CN" dirty="0" err="1"/>
+              <a:t>Langtangen</a:t>
+            </a:r>
+            <a:r>
+              <a:rPr lang="en-US" altLang="zh-CN" dirty="0"/>
+              <a:t>, H. P., &amp; </a:t>
+            </a:r>
+            <a:r>
+              <a:rPr lang="en-US" altLang="zh-CN" dirty="0" err="1"/>
+              <a:t>Logg</a:t>
+            </a:r>
+            <a:r>
+              <a:rPr lang="en-US" altLang="zh-CN" dirty="0"/>
+              <a:t>, A. (n.d.). Solving PDEs in Python – The FEniCS Tutorial Volume I. 153.</a:t>
+            </a:r>
+          </a:p>
+          <a:p>
+            <a:pPr lvl="1"/>
+            <a:r>
+              <a:rPr lang="en-US" altLang="zh-CN" dirty="0" err="1"/>
+              <a:t>Logg</a:t>
+            </a:r>
+            <a:r>
+              <a:rPr lang="en-US" altLang="zh-CN" dirty="0"/>
+              <a:t>, A., </a:t>
+            </a:r>
+            <a:r>
+              <a:rPr lang="en-US" altLang="zh-CN" dirty="0" err="1"/>
+              <a:t>Mardal</a:t>
+            </a:r>
+            <a:r>
+              <a:rPr lang="en-US" altLang="zh-CN" dirty="0"/>
+              <a:t>, K.-A., &amp; Wells, G. (Eds.). (2012). Automated Solution of Differential Equations by the Finite Element Method (Vol. 84). Springer Berlin Heidelberg. </a:t>
+            </a:r>
           </a:p>
           <a:p>
             <a:endParaRPr lang="en-US" altLang="zh-CN" dirty="0"/>
@@ -5434,8 +5513,13 @@
             </a:pPr>
             <a:r>
               <a:rPr lang="en-US" altLang="zh-CN" sz="2000" dirty="0"/>
-              <a:t>Cantilever beam under gravity load</a:t>
-            </a:r>
+              <a:t>Cantilever beam under gravity </a:t>
+            </a:r>
+            <a:r>
+              <a:rPr lang="en-US" altLang="zh-CN" sz="2000"/>
+              <a:t>(body force).</a:t>
+            </a:r>
+            <a:endParaRPr lang="en-US" altLang="zh-CN" sz="2000" dirty="0"/>
           </a:p>
           <a:p>
             <a:pPr marL="0" indent="0">

--- a/Mesh generation and coding in FEniCS.pptx
+++ b/Mesh generation and coding in FEniCS.pptx
@@ -5,7 +5,7 @@
     <p:sldMasterId id="2147483648" r:id="rId1"/>
   </p:sldMasterIdLst>
   <p:handoutMasterIdLst>
-    <p:handoutMasterId r:id="rId13"/>
+    <p:handoutMasterId r:id="rId16"/>
   </p:handoutMasterIdLst>
   <p:sldIdLst>
     <p:sldId id="256" r:id="rId2"/>
@@ -17,8 +17,11 @@
     <p:sldId id="262" r:id="rId8"/>
     <p:sldId id="264" r:id="rId9"/>
     <p:sldId id="263" r:id="rId10"/>
-    <p:sldId id="265" r:id="rId11"/>
-    <p:sldId id="266" r:id="rId12"/>
+    <p:sldId id="267" r:id="rId11"/>
+    <p:sldId id="268" r:id="rId12"/>
+    <p:sldId id="269" r:id="rId13"/>
+    <p:sldId id="265" r:id="rId14"/>
+    <p:sldId id="266" r:id="rId15"/>
   </p:sldIdLst>
   <p:sldSz cx="12192000" cy="6858000"/>
   <p:notesSz cx="6858000" cy="9144000"/>
@@ -222,7 +225,7 @@
           <a:p>
             <a:fld id="{4CFA6212-5753-4A65-ADAD-E9DA78BC8E89}" type="datetimeFigureOut">
               <a:rPr lang="zh-CN" altLang="en-US" smtClean="0"/>
-              <a:t>2023/2/6</a:t>
+              <a:t>2023/2/8</a:t>
             </a:fld>
             <a:endParaRPr lang="zh-CN" altLang="en-US"/>
           </a:p>
@@ -466,7 +469,7 @@
           <a:p>
             <a:fld id="{D664942B-D2FF-4904-8C0C-F6A5B0293FE1}" type="datetimeFigureOut">
               <a:rPr lang="zh-CN" altLang="en-US" smtClean="0"/>
-              <a:t>2023/2/6</a:t>
+              <a:t>2023/2/8</a:t>
             </a:fld>
             <a:endParaRPr lang="zh-CN" altLang="en-US"/>
           </a:p>
@@ -666,7 +669,7 @@
           <a:p>
             <a:fld id="{D664942B-D2FF-4904-8C0C-F6A5B0293FE1}" type="datetimeFigureOut">
               <a:rPr lang="zh-CN" altLang="en-US" smtClean="0"/>
-              <a:t>2023/2/6</a:t>
+              <a:t>2023/2/8</a:t>
             </a:fld>
             <a:endParaRPr lang="zh-CN" altLang="en-US"/>
           </a:p>
@@ -876,7 +879,7 @@
           <a:p>
             <a:fld id="{D664942B-D2FF-4904-8C0C-F6A5B0293FE1}" type="datetimeFigureOut">
               <a:rPr lang="zh-CN" altLang="en-US" smtClean="0"/>
-              <a:t>2023/2/6</a:t>
+              <a:t>2023/2/8</a:t>
             </a:fld>
             <a:endParaRPr lang="zh-CN" altLang="en-US"/>
           </a:p>
@@ -1129,7 +1132,7 @@
           <a:p>
             <a:fld id="{D664942B-D2FF-4904-8C0C-F6A5B0293FE1}" type="datetimeFigureOut">
               <a:rPr lang="zh-CN" altLang="en-US" smtClean="0"/>
-              <a:t>2023/2/6</a:t>
+              <a:t>2023/2/8</a:t>
             </a:fld>
             <a:endParaRPr lang="zh-CN" altLang="en-US"/>
           </a:p>
@@ -1405,7 +1408,7 @@
           <a:p>
             <a:fld id="{D664942B-D2FF-4904-8C0C-F6A5B0293FE1}" type="datetimeFigureOut">
               <a:rPr lang="zh-CN" altLang="en-US" smtClean="0"/>
-              <a:t>2023/2/6</a:t>
+              <a:t>2023/2/8</a:t>
             </a:fld>
             <a:endParaRPr lang="zh-CN" altLang="en-US"/>
           </a:p>
@@ -1673,7 +1676,7 @@
           <a:p>
             <a:fld id="{D664942B-D2FF-4904-8C0C-F6A5B0293FE1}" type="datetimeFigureOut">
               <a:rPr lang="zh-CN" altLang="en-US" smtClean="0"/>
-              <a:t>2023/2/6</a:t>
+              <a:t>2023/2/8</a:t>
             </a:fld>
             <a:endParaRPr lang="zh-CN" altLang="en-US"/>
           </a:p>
@@ -2088,7 +2091,7 @@
           <a:p>
             <a:fld id="{D664942B-D2FF-4904-8C0C-F6A5B0293FE1}" type="datetimeFigureOut">
               <a:rPr lang="zh-CN" altLang="en-US" smtClean="0"/>
-              <a:t>2023/2/6</a:t>
+              <a:t>2023/2/8</a:t>
             </a:fld>
             <a:endParaRPr lang="zh-CN" altLang="en-US"/>
           </a:p>
@@ -2230,7 +2233,7 @@
           <a:p>
             <a:fld id="{D664942B-D2FF-4904-8C0C-F6A5B0293FE1}" type="datetimeFigureOut">
               <a:rPr lang="zh-CN" altLang="en-US" smtClean="0"/>
-              <a:t>2023/2/6</a:t>
+              <a:t>2023/2/8</a:t>
             </a:fld>
             <a:endParaRPr lang="zh-CN" altLang="en-US"/>
           </a:p>
@@ -2343,7 +2346,7 @@
           <a:p>
             <a:fld id="{D664942B-D2FF-4904-8C0C-F6A5B0293FE1}" type="datetimeFigureOut">
               <a:rPr lang="zh-CN" altLang="en-US" smtClean="0"/>
-              <a:t>2023/2/6</a:t>
+              <a:t>2023/2/8</a:t>
             </a:fld>
             <a:endParaRPr lang="zh-CN" altLang="en-US"/>
           </a:p>
@@ -2656,7 +2659,7 @@
           <a:p>
             <a:fld id="{D664942B-D2FF-4904-8C0C-F6A5B0293FE1}" type="datetimeFigureOut">
               <a:rPr lang="zh-CN" altLang="en-US" smtClean="0"/>
-              <a:t>2023/2/6</a:t>
+              <a:t>2023/2/8</a:t>
             </a:fld>
             <a:endParaRPr lang="zh-CN" altLang="en-US"/>
           </a:p>
@@ -2945,7 +2948,7 @@
           <a:p>
             <a:fld id="{D664942B-D2FF-4904-8C0C-F6A5B0293FE1}" type="datetimeFigureOut">
               <a:rPr lang="zh-CN" altLang="en-US" smtClean="0"/>
-              <a:t>2023/2/6</a:t>
+              <a:t>2023/2/8</a:t>
             </a:fld>
             <a:endParaRPr lang="zh-CN" altLang="en-US"/>
           </a:p>
@@ -3188,7 +3191,7 @@
           <a:p>
             <a:fld id="{D664942B-D2FF-4904-8C0C-F6A5B0293FE1}" type="datetimeFigureOut">
               <a:rPr lang="zh-CN" altLang="en-US" smtClean="0"/>
-              <a:t>2023/2/6</a:t>
+              <a:t>2023/2/8</a:t>
             </a:fld>
             <a:endParaRPr lang="zh-CN" altLang="en-US"/>
           </a:p>
@@ -3710,6 +3713,412 @@
           <p:cNvPr id="2" name="Title 1">
             <a:extLst>
               <a:ext uri="{FF2B5EF4-FFF2-40B4-BE49-F238E27FC236}">
+                <a16:creationId xmlns:a16="http://schemas.microsoft.com/office/drawing/2014/main" id="{EB48E091-8ABF-6B74-0412-EF9A87230D2A}"/>
+              </a:ext>
+            </a:extLst>
+          </p:cNvPr>
+          <p:cNvSpPr>
+            <a:spLocks noGrp="1"/>
+          </p:cNvSpPr>
+          <p:nvPr>
+            <p:ph type="title"/>
+          </p:nvPr>
+        </p:nvSpPr>
+        <p:spPr/>
+        <p:txBody>
+          <a:bodyPr/>
+          <a:lstStyle/>
+          <a:p>
+            <a:r>
+              <a:rPr lang="en-US" altLang="zh-CN" dirty="0"/>
+              <a:t>Mesh generation by Gmsh</a:t>
+            </a:r>
+            <a:endParaRPr lang="zh-CN" altLang="en-US" dirty="0"/>
+          </a:p>
+        </p:txBody>
+      </p:sp>
+      <p:sp>
+        <p:nvSpPr>
+          <p:cNvPr id="3" name="Content Placeholder 2">
+            <a:extLst>
+              <a:ext uri="{FF2B5EF4-FFF2-40B4-BE49-F238E27FC236}">
+                <a16:creationId xmlns:a16="http://schemas.microsoft.com/office/drawing/2014/main" id="{55FE0D9F-3743-D82E-D441-4D7558E67CB7}"/>
+              </a:ext>
+            </a:extLst>
+          </p:cNvPr>
+          <p:cNvSpPr>
+            <a:spLocks noGrp="1"/>
+          </p:cNvSpPr>
+          <p:nvPr>
+            <p:ph idx="1"/>
+          </p:nvPr>
+        </p:nvSpPr>
+        <p:spPr/>
+        <p:txBody>
+          <a:bodyPr>
+            <a:normAutofit/>
+          </a:bodyPr>
+          <a:lstStyle/>
+          <a:p>
+            <a:r>
+              <a:rPr lang="en-US" altLang="zh-CN" dirty="0"/>
+              <a:t>Free: Open-source 3D finite element mesh generator</a:t>
+            </a:r>
+          </a:p>
+          <a:p>
+            <a:r>
+              <a:rPr lang="en-US" altLang="zh-CN" dirty="0"/>
+              <a:t>Parametric modeling: The Gmsh application programming interface (API) allows to integrate the Gmsh library in external applications written in C++, C, Python, Julia or Fortran.</a:t>
+            </a:r>
+          </a:p>
+          <a:p>
+            <a:pPr marL="0" indent="0">
+              <a:buNone/>
+            </a:pPr>
+            <a:r>
+              <a:rPr lang="en-US" altLang="zh-CN" dirty="0"/>
+              <a:t>Document: </a:t>
+            </a:r>
+            <a:r>
+              <a:rPr lang="en-US" altLang="zh-CN" dirty="0">
+                <a:hlinkClick r:id="rId2"/>
+              </a:rPr>
+              <a:t>https://gmsh.info/doc/texinfo/gmsh.html</a:t>
+            </a:r>
+            <a:endParaRPr lang="en-US" altLang="zh-CN" dirty="0"/>
+          </a:p>
+          <a:p>
+            <a:pPr marL="0" indent="0">
+              <a:buNone/>
+            </a:pPr>
+            <a:r>
+              <a:rPr lang="en-US" altLang="zh-CN" dirty="0"/>
+              <a:t>For using Python script, you can install Gmsh by</a:t>
+            </a:r>
+          </a:p>
+          <a:p>
+            <a:pPr marL="0" indent="0">
+              <a:buNone/>
+            </a:pPr>
+            <a:r>
+              <a:rPr lang="en-US" altLang="zh-CN" dirty="0"/>
+              <a:t>pip install --upgrade </a:t>
+            </a:r>
+            <a:r>
+              <a:rPr lang="en-US" altLang="zh-CN" dirty="0" err="1"/>
+              <a:t>gmsh</a:t>
+            </a:r>
+            <a:endParaRPr lang="en-US" altLang="zh-CN" dirty="0"/>
+          </a:p>
+          <a:p>
+            <a:pPr marL="0" indent="0">
+              <a:buNone/>
+            </a:pPr>
+            <a:endParaRPr lang="en-US" altLang="zh-CN" dirty="0"/>
+          </a:p>
+          <a:p>
+            <a:pPr marL="0" indent="0">
+              <a:buNone/>
+            </a:pPr>
+            <a:endParaRPr lang="zh-CN" altLang="en-US" i="1" dirty="0"/>
+          </a:p>
+        </p:txBody>
+      </p:sp>
+    </p:spTree>
+    <p:extLst>
+      <p:ext uri="{BB962C8B-B14F-4D97-AF65-F5344CB8AC3E}">
+        <p14:creationId xmlns:p14="http://schemas.microsoft.com/office/powerpoint/2010/main" val="4203620756"/>
+      </p:ext>
+    </p:extLst>
+  </p:cSld>
+  <p:clrMapOvr>
+    <a:masterClrMapping/>
+  </p:clrMapOvr>
+</p:sld>
+</file>
+
+<file path=ppt/slides/slide11.xml><?xml version="1.0" encoding="utf-8"?>
+<p:sld xmlns:a="http://schemas.openxmlformats.org/drawingml/2006/main" xmlns:r="http://schemas.openxmlformats.org/officeDocument/2006/relationships" xmlns:p="http://schemas.openxmlformats.org/presentationml/2006/main">
+  <p:cSld>
+    <p:spTree>
+      <p:nvGrpSpPr>
+        <p:cNvPr id="1" name=""/>
+        <p:cNvGrpSpPr/>
+        <p:nvPr/>
+      </p:nvGrpSpPr>
+      <p:grpSpPr>
+        <a:xfrm>
+          <a:off x="0" y="0"/>
+          <a:ext cx="0" cy="0"/>
+          <a:chOff x="0" y="0"/>
+          <a:chExt cx="0" cy="0"/>
+        </a:xfrm>
+      </p:grpSpPr>
+      <p:sp>
+        <p:nvSpPr>
+          <p:cNvPr id="2" name="Title 1">
+            <a:extLst>
+              <a:ext uri="{FF2B5EF4-FFF2-40B4-BE49-F238E27FC236}">
+                <a16:creationId xmlns:a16="http://schemas.microsoft.com/office/drawing/2014/main" id="{EB48E091-8ABF-6B74-0412-EF9A87230D2A}"/>
+              </a:ext>
+            </a:extLst>
+          </p:cNvPr>
+          <p:cNvSpPr>
+            <a:spLocks noGrp="1"/>
+          </p:cNvSpPr>
+          <p:nvPr>
+            <p:ph type="title"/>
+          </p:nvPr>
+        </p:nvSpPr>
+        <p:spPr/>
+        <p:txBody>
+          <a:bodyPr/>
+          <a:lstStyle/>
+          <a:p>
+            <a:r>
+              <a:rPr lang="en-US" altLang="zh-CN" dirty="0"/>
+              <a:t>Mesh generation by Gmsh Python script</a:t>
+            </a:r>
+            <a:endParaRPr lang="zh-CN" altLang="en-US" dirty="0"/>
+          </a:p>
+        </p:txBody>
+      </p:sp>
+      <p:sp>
+        <p:nvSpPr>
+          <p:cNvPr id="3" name="Content Placeholder 2">
+            <a:extLst>
+              <a:ext uri="{FF2B5EF4-FFF2-40B4-BE49-F238E27FC236}">
+                <a16:creationId xmlns:a16="http://schemas.microsoft.com/office/drawing/2014/main" id="{55FE0D9F-3743-D82E-D441-4D7558E67CB7}"/>
+              </a:ext>
+            </a:extLst>
+          </p:cNvPr>
+          <p:cNvSpPr>
+            <a:spLocks noGrp="1"/>
+          </p:cNvSpPr>
+          <p:nvPr>
+            <p:ph idx="1"/>
+          </p:nvPr>
+        </p:nvSpPr>
+        <p:spPr>
+          <a:xfrm>
+            <a:off x="838200" y="1825625"/>
+            <a:ext cx="10515600" cy="4586126"/>
+          </a:xfrm>
+        </p:spPr>
+        <p:txBody>
+          <a:bodyPr>
+            <a:normAutofit/>
+          </a:bodyPr>
+          <a:lstStyle/>
+          <a:p>
+            <a:pPr marL="514350" indent="-514350">
+              <a:buFont typeface="+mj-lt"/>
+              <a:buAutoNum type="arabicPeriod"/>
+            </a:pPr>
+            <a:r>
+              <a:rPr lang="en-US" altLang="zh-CN" dirty="0"/>
+              <a:t>Draw geometry by Gmsh inbuild CAD functions</a:t>
+            </a:r>
+          </a:p>
+          <a:p>
+            <a:pPr marL="514350" indent="-514350">
+              <a:buFont typeface="+mj-lt"/>
+              <a:buAutoNum type="arabicPeriod"/>
+            </a:pPr>
+            <a:r>
+              <a:rPr lang="en-US" altLang="zh-CN" dirty="0"/>
+              <a:t>Pass the geometry to Gmsh meshing</a:t>
+            </a:r>
+          </a:p>
+          <a:p>
+            <a:pPr marL="514350" indent="-514350">
+              <a:buFont typeface="+mj-lt"/>
+              <a:buAutoNum type="arabicPeriod"/>
+            </a:pPr>
+            <a:r>
+              <a:rPr lang="en-US" altLang="zh-CN" dirty="0"/>
+              <a:t>Define the meshing parameters</a:t>
+            </a:r>
+          </a:p>
+          <a:p>
+            <a:pPr marL="514350" indent="-514350">
+              <a:buFont typeface="+mj-lt"/>
+              <a:buAutoNum type="arabicPeriod"/>
+            </a:pPr>
+            <a:r>
+              <a:rPr lang="en-US" altLang="zh-CN" dirty="0"/>
+              <a:t>Generate the mesh and </a:t>
+            </a:r>
+            <a:r>
+              <a:rPr lang="en-US" altLang="zh-CN"/>
+              <a:t>save them</a:t>
+            </a:r>
+            <a:endParaRPr lang="en-US" altLang="zh-CN" dirty="0"/>
+          </a:p>
+        </p:txBody>
+      </p:sp>
+    </p:spTree>
+    <p:extLst>
+      <p:ext uri="{BB962C8B-B14F-4D97-AF65-F5344CB8AC3E}">
+        <p14:creationId xmlns:p14="http://schemas.microsoft.com/office/powerpoint/2010/main" val="1199403943"/>
+      </p:ext>
+    </p:extLst>
+  </p:cSld>
+  <p:clrMapOvr>
+    <a:masterClrMapping/>
+  </p:clrMapOvr>
+</p:sld>
+</file>
+
+<file path=ppt/slides/slide12.xml><?xml version="1.0" encoding="utf-8"?>
+<p:sld xmlns:a="http://schemas.openxmlformats.org/drawingml/2006/main" xmlns:r="http://schemas.openxmlformats.org/officeDocument/2006/relationships" xmlns:p="http://schemas.openxmlformats.org/presentationml/2006/main">
+  <p:cSld>
+    <p:spTree>
+      <p:nvGrpSpPr>
+        <p:cNvPr id="1" name=""/>
+        <p:cNvGrpSpPr/>
+        <p:nvPr/>
+      </p:nvGrpSpPr>
+      <p:grpSpPr>
+        <a:xfrm>
+          <a:off x="0" y="0"/>
+          <a:ext cx="0" cy="0"/>
+          <a:chOff x="0" y="0"/>
+          <a:chExt cx="0" cy="0"/>
+        </a:xfrm>
+      </p:grpSpPr>
+      <p:sp>
+        <p:nvSpPr>
+          <p:cNvPr id="2" name="Title 1">
+            <a:extLst>
+              <a:ext uri="{FF2B5EF4-FFF2-40B4-BE49-F238E27FC236}">
+                <a16:creationId xmlns:a16="http://schemas.microsoft.com/office/drawing/2014/main" id="{EB48E091-8ABF-6B74-0412-EF9A87230D2A}"/>
+              </a:ext>
+            </a:extLst>
+          </p:cNvPr>
+          <p:cNvSpPr>
+            <a:spLocks noGrp="1"/>
+          </p:cNvSpPr>
+          <p:nvPr>
+            <p:ph type="title"/>
+          </p:nvPr>
+        </p:nvSpPr>
+        <p:spPr/>
+        <p:txBody>
+          <a:bodyPr/>
+          <a:lstStyle/>
+          <a:p>
+            <a:r>
+              <a:rPr lang="en-US" altLang="zh-CN" dirty="0"/>
+              <a:t>Mesh generation by Gmsh Python script</a:t>
+            </a:r>
+            <a:endParaRPr lang="zh-CN" altLang="en-US" dirty="0"/>
+          </a:p>
+        </p:txBody>
+      </p:sp>
+      <p:sp>
+        <p:nvSpPr>
+          <p:cNvPr id="3" name="Content Placeholder 2">
+            <a:extLst>
+              <a:ext uri="{FF2B5EF4-FFF2-40B4-BE49-F238E27FC236}">
+                <a16:creationId xmlns:a16="http://schemas.microsoft.com/office/drawing/2014/main" id="{55FE0D9F-3743-D82E-D441-4D7558E67CB7}"/>
+              </a:ext>
+            </a:extLst>
+          </p:cNvPr>
+          <p:cNvSpPr>
+            <a:spLocks noGrp="1"/>
+          </p:cNvSpPr>
+          <p:nvPr>
+            <p:ph idx="1"/>
+          </p:nvPr>
+        </p:nvSpPr>
+        <p:spPr>
+          <a:xfrm>
+            <a:off x="838200" y="1825625"/>
+            <a:ext cx="10515600" cy="4586126"/>
+          </a:xfrm>
+        </p:spPr>
+        <p:txBody>
+          <a:bodyPr>
+            <a:normAutofit/>
+          </a:bodyPr>
+          <a:lstStyle/>
+          <a:p>
+            <a:pPr marL="0" indent="0">
+              <a:buNone/>
+            </a:pPr>
+            <a:r>
+              <a:rPr lang="en-US" altLang="zh-CN" dirty="0"/>
+              <a:t>An example: Generate FEM mesh for a square plate with fiber by Python.</a:t>
+            </a:r>
+          </a:p>
+        </p:txBody>
+      </p:sp>
+      <p:pic>
+        <p:nvPicPr>
+          <p:cNvPr id="5" name="Picture 4">
+            <a:extLst>
+              <a:ext uri="{FF2B5EF4-FFF2-40B4-BE49-F238E27FC236}">
+                <a16:creationId xmlns:a16="http://schemas.microsoft.com/office/drawing/2014/main" id="{6EE63031-7763-283E-273B-8787EA10C7E3}"/>
+              </a:ext>
+            </a:extLst>
+          </p:cNvPr>
+          <p:cNvPicPr>
+            <a:picLocks noChangeAspect="1"/>
+          </p:cNvPicPr>
+          <p:nvPr/>
+        </p:nvPicPr>
+        <p:blipFill>
+          <a:blip r:embed="rId2"/>
+          <a:stretch>
+            <a:fillRect/>
+          </a:stretch>
+        </p:blipFill>
+        <p:spPr>
+          <a:xfrm>
+            <a:off x="3961792" y="2431100"/>
+            <a:ext cx="4268415" cy="4261313"/>
+          </a:xfrm>
+          <a:prstGeom prst="rect">
+            <a:avLst/>
+          </a:prstGeom>
+        </p:spPr>
+      </p:pic>
+    </p:spTree>
+    <p:extLst>
+      <p:ext uri="{BB962C8B-B14F-4D97-AF65-F5344CB8AC3E}">
+        <p14:creationId xmlns:p14="http://schemas.microsoft.com/office/powerpoint/2010/main" val="1010939980"/>
+      </p:ext>
+    </p:extLst>
+  </p:cSld>
+  <p:clrMapOvr>
+    <a:masterClrMapping/>
+  </p:clrMapOvr>
+</p:sld>
+</file>
+
+<file path=ppt/slides/slide13.xml><?xml version="1.0" encoding="utf-8"?>
+<p:sld xmlns:a="http://schemas.openxmlformats.org/drawingml/2006/main" xmlns:r="http://schemas.openxmlformats.org/officeDocument/2006/relationships" xmlns:p="http://schemas.openxmlformats.org/presentationml/2006/main">
+  <p:cSld>
+    <p:spTree>
+      <p:nvGrpSpPr>
+        <p:cNvPr id="1" name=""/>
+        <p:cNvGrpSpPr/>
+        <p:nvPr/>
+      </p:nvGrpSpPr>
+      <p:grpSpPr>
+        <a:xfrm>
+          <a:off x="0" y="0"/>
+          <a:ext cx="0" cy="0"/>
+          <a:chOff x="0" y="0"/>
+          <a:chExt cx="0" cy="0"/>
+        </a:xfrm>
+      </p:grpSpPr>
+      <p:sp>
+        <p:nvSpPr>
+          <p:cNvPr id="2" name="Title 1">
+            <a:extLst>
+              <a:ext uri="{FF2B5EF4-FFF2-40B4-BE49-F238E27FC236}">
                 <a16:creationId xmlns:a16="http://schemas.microsoft.com/office/drawing/2014/main" id="{0EAF65AC-3D67-AA8D-692D-378BF4DFB3E4}"/>
               </a:ext>
             </a:extLst>
@@ -3843,7 +4252,7 @@
 </p:sld>
 </file>
 
-<file path=ppt/slides/slide11.xml><?xml version="1.0" encoding="utf-8"?>
+<file path=ppt/slides/slide14.xml><?xml version="1.0" encoding="utf-8"?>
 <p:sld xmlns:a="http://schemas.openxmlformats.org/drawingml/2006/main" xmlns:r="http://schemas.openxmlformats.org/officeDocument/2006/relationships" xmlns:p="http://schemas.openxmlformats.org/presentationml/2006/main">
   <p:cSld>
     <p:spTree>
